--- a/����ͼ.pptx
+++ b/����ͼ.pptx
@@ -7,6 +7,7 @@
   <p:sldIdLst>
     <p:sldId id="256" r:id="rId2"/>
     <p:sldId id="257" r:id="rId3"/>
+    <p:sldId id="258" r:id="rId4"/>
   </p:sldIdLst>
   <p:sldSz cx="9144000" cy="6858000" type="screen4x3"/>
   <p:notesSz cx="6858000" cy="9144000"/>
@@ -289,7 +290,7 @@
           <a:p>
             <a:fld id="{DC92A6CA-8D0A-4F48-92B6-CEF0445E0846}" type="datetimeFigureOut">
               <a:rPr lang="zh-CN" altLang="en-US" smtClean="0"/>
-              <a:t>2011/3/25</a:t>
+              <a:t>2011/3/28</a:t>
             </a:fld>
             <a:endParaRPr lang="zh-CN" altLang="en-US"/>
           </a:p>
@@ -459,7 +460,7 @@
           <a:p>
             <a:fld id="{DC92A6CA-8D0A-4F48-92B6-CEF0445E0846}" type="datetimeFigureOut">
               <a:rPr lang="zh-CN" altLang="en-US" smtClean="0"/>
-              <a:t>2011/3/25</a:t>
+              <a:t>2011/3/28</a:t>
             </a:fld>
             <a:endParaRPr lang="zh-CN" altLang="en-US"/>
           </a:p>
@@ -639,7 +640,7 @@
           <a:p>
             <a:fld id="{DC92A6CA-8D0A-4F48-92B6-CEF0445E0846}" type="datetimeFigureOut">
               <a:rPr lang="zh-CN" altLang="en-US" smtClean="0"/>
-              <a:t>2011/3/25</a:t>
+              <a:t>2011/3/28</a:t>
             </a:fld>
             <a:endParaRPr lang="zh-CN" altLang="en-US"/>
           </a:p>
@@ -809,7 +810,7 @@
           <a:p>
             <a:fld id="{DC92A6CA-8D0A-4F48-92B6-CEF0445E0846}" type="datetimeFigureOut">
               <a:rPr lang="zh-CN" altLang="en-US" smtClean="0"/>
-              <a:t>2011/3/25</a:t>
+              <a:t>2011/3/28</a:t>
             </a:fld>
             <a:endParaRPr lang="zh-CN" altLang="en-US"/>
           </a:p>
@@ -1055,7 +1056,7 @@
           <a:p>
             <a:fld id="{DC92A6CA-8D0A-4F48-92B6-CEF0445E0846}" type="datetimeFigureOut">
               <a:rPr lang="zh-CN" altLang="en-US" smtClean="0"/>
-              <a:t>2011/3/25</a:t>
+              <a:t>2011/3/28</a:t>
             </a:fld>
             <a:endParaRPr lang="zh-CN" altLang="en-US"/>
           </a:p>
@@ -1343,7 +1344,7 @@
           <a:p>
             <a:fld id="{DC92A6CA-8D0A-4F48-92B6-CEF0445E0846}" type="datetimeFigureOut">
               <a:rPr lang="zh-CN" altLang="en-US" smtClean="0"/>
-              <a:t>2011/3/25</a:t>
+              <a:t>2011/3/28</a:t>
             </a:fld>
             <a:endParaRPr lang="zh-CN" altLang="en-US"/>
           </a:p>
@@ -1765,7 +1766,7 @@
           <a:p>
             <a:fld id="{DC92A6CA-8D0A-4F48-92B6-CEF0445E0846}" type="datetimeFigureOut">
               <a:rPr lang="zh-CN" altLang="en-US" smtClean="0"/>
-              <a:t>2011/3/25</a:t>
+              <a:t>2011/3/28</a:t>
             </a:fld>
             <a:endParaRPr lang="zh-CN" altLang="en-US"/>
           </a:p>
@@ -1883,7 +1884,7 @@
           <a:p>
             <a:fld id="{DC92A6CA-8D0A-4F48-92B6-CEF0445E0846}" type="datetimeFigureOut">
               <a:rPr lang="zh-CN" altLang="en-US" smtClean="0"/>
-              <a:t>2011/3/25</a:t>
+              <a:t>2011/3/28</a:t>
             </a:fld>
             <a:endParaRPr lang="zh-CN" altLang="en-US"/>
           </a:p>
@@ -1978,7 +1979,7 @@
           <a:p>
             <a:fld id="{DC92A6CA-8D0A-4F48-92B6-CEF0445E0846}" type="datetimeFigureOut">
               <a:rPr lang="zh-CN" altLang="en-US" smtClean="0"/>
-              <a:t>2011/3/25</a:t>
+              <a:t>2011/3/28</a:t>
             </a:fld>
             <a:endParaRPr lang="zh-CN" altLang="en-US"/>
           </a:p>
@@ -2255,7 +2256,7 @@
           <a:p>
             <a:fld id="{DC92A6CA-8D0A-4F48-92B6-CEF0445E0846}" type="datetimeFigureOut">
               <a:rPr lang="zh-CN" altLang="en-US" smtClean="0"/>
-              <a:t>2011/3/25</a:t>
+              <a:t>2011/3/28</a:t>
             </a:fld>
             <a:endParaRPr lang="zh-CN" altLang="en-US"/>
           </a:p>
@@ -2508,7 +2509,7 @@
           <a:p>
             <a:fld id="{DC92A6CA-8D0A-4F48-92B6-CEF0445E0846}" type="datetimeFigureOut">
               <a:rPr lang="zh-CN" altLang="en-US" smtClean="0"/>
-              <a:t>2011/3/25</a:t>
+              <a:t>2011/3/28</a:t>
             </a:fld>
             <a:endParaRPr lang="zh-CN" altLang="en-US"/>
           </a:p>
@@ -2721,7 +2722,7 @@
           <a:p>
             <a:fld id="{DC92A6CA-8D0A-4F48-92B6-CEF0445E0846}" type="datetimeFigureOut">
               <a:rPr lang="zh-CN" altLang="en-US" smtClean="0"/>
-              <a:t>2011/3/25</a:t>
+              <a:t>2011/3/28</a:t>
             </a:fld>
             <a:endParaRPr lang="zh-CN" altLang="en-US"/>
           </a:p>
@@ -3759,6 +3760,1624 @@
     <p:extLst>
       <p:ext uri="{BB962C8B-B14F-4D97-AF65-F5344CB8AC3E}">
         <p14:creationId xmlns:p14="http://schemas.microsoft.com/office/powerpoint/2010/main" val="2858915097"/>
+      </p:ext>
+    </p:extLst>
+  </p:cSld>
+  <p:clrMapOvr>
+    <a:masterClrMapping/>
+  </p:clrMapOvr>
+</p:sld>
+</file>
+
+<file path=ppt/slides/slide3.xml><?xml version="1.0" encoding="utf-8"?>
+<p:sld xmlns:a="http://schemas.openxmlformats.org/drawingml/2006/main" xmlns:r="http://schemas.openxmlformats.org/officeDocument/2006/relationships" xmlns:p="http://schemas.openxmlformats.org/presentationml/2006/main">
+  <p:cSld>
+    <p:spTree>
+      <p:nvGrpSpPr>
+        <p:cNvPr id="1" name=""/>
+        <p:cNvGrpSpPr/>
+        <p:nvPr/>
+      </p:nvGrpSpPr>
+      <p:grpSpPr>
+        <a:xfrm>
+          <a:off x="0" y="0"/>
+          <a:ext cx="0" cy="0"/>
+          <a:chOff x="0" y="0"/>
+          <a:chExt cx="0" cy="0"/>
+        </a:xfrm>
+      </p:grpSpPr>
+      <p:sp>
+        <p:nvSpPr>
+          <p:cNvPr id="4" name="TextBox 3"/>
+          <p:cNvSpPr txBox="1"/>
+          <p:nvPr/>
+        </p:nvSpPr>
+        <p:spPr>
+          <a:xfrm>
+            <a:off x="231382" y="814872"/>
+            <a:ext cx="1005403" cy="338554"/>
+          </a:xfrm>
+          <a:prstGeom prst="rect">
+            <a:avLst/>
+          </a:prstGeom>
+        </p:spPr>
+        <p:style>
+          <a:lnRef idx="1">
+            <a:schemeClr val="accent1"/>
+          </a:lnRef>
+          <a:fillRef idx="3">
+            <a:schemeClr val="accent1"/>
+          </a:fillRef>
+          <a:effectRef idx="2">
+            <a:schemeClr val="accent1"/>
+          </a:effectRef>
+          <a:fontRef idx="minor">
+            <a:schemeClr val="lt1"/>
+          </a:fontRef>
+        </p:style>
+        <p:txBody>
+          <a:bodyPr wrap="none" rtlCol="0">
+            <a:spAutoFit/>
+          </a:bodyPr>
+          <a:lstStyle/>
+          <a:p>
+            <a:r>
+              <a:rPr lang="zh-CN" altLang="en-US" sz="1600" dirty="0" smtClean="0"/>
+              <a:t>变更意向</a:t>
+            </a:r>
+            <a:endParaRPr lang="zh-CN" altLang="en-US" sz="1600" dirty="0"/>
+          </a:p>
+        </p:txBody>
+      </p:sp>
+      <p:sp>
+        <p:nvSpPr>
+          <p:cNvPr id="5" name="TextBox 4"/>
+          <p:cNvSpPr txBox="1"/>
+          <p:nvPr/>
+        </p:nvSpPr>
+        <p:spPr>
+          <a:xfrm>
+            <a:off x="3677883" y="813160"/>
+            <a:ext cx="1415772" cy="338554"/>
+          </a:xfrm>
+          <a:prstGeom prst="rect">
+            <a:avLst/>
+          </a:prstGeom>
+        </p:spPr>
+        <p:style>
+          <a:lnRef idx="1">
+            <a:schemeClr val="accent1"/>
+          </a:lnRef>
+          <a:fillRef idx="3">
+            <a:schemeClr val="accent1"/>
+          </a:fillRef>
+          <a:effectRef idx="2">
+            <a:schemeClr val="accent1"/>
+          </a:effectRef>
+          <a:fontRef idx="minor">
+            <a:schemeClr val="lt1"/>
+          </a:fontRef>
+        </p:style>
+        <p:txBody>
+          <a:bodyPr wrap="none" rtlCol="0">
+            <a:spAutoFit/>
+          </a:bodyPr>
+          <a:lstStyle/>
+          <a:p>
+            <a:r>
+              <a:rPr lang="zh-CN" altLang="en-US" sz="1600" dirty="0" smtClean="0"/>
+              <a:t>项目团队评估</a:t>
+            </a:r>
+            <a:endParaRPr lang="zh-CN" altLang="en-US" sz="1600" dirty="0"/>
+          </a:p>
+        </p:txBody>
+      </p:sp>
+      <p:sp>
+        <p:nvSpPr>
+          <p:cNvPr id="6" name="TextBox 5"/>
+          <p:cNvSpPr txBox="1"/>
+          <p:nvPr/>
+        </p:nvSpPr>
+        <p:spPr>
+          <a:xfrm>
+            <a:off x="5937935" y="1796347"/>
+            <a:ext cx="925253" cy="338554"/>
+          </a:xfrm>
+          <a:prstGeom prst="rect">
+            <a:avLst/>
+          </a:prstGeom>
+        </p:spPr>
+        <p:style>
+          <a:lnRef idx="1">
+            <a:schemeClr val="accent1"/>
+          </a:lnRef>
+          <a:fillRef idx="3">
+            <a:schemeClr val="accent1"/>
+          </a:fillRef>
+          <a:effectRef idx="2">
+            <a:schemeClr val="accent1"/>
+          </a:effectRef>
+          <a:fontRef idx="minor">
+            <a:schemeClr val="lt1"/>
+          </a:fontRef>
+        </p:style>
+        <p:txBody>
+          <a:bodyPr wrap="none" rtlCol="0">
+            <a:spAutoFit/>
+          </a:bodyPr>
+          <a:lstStyle/>
+          <a:p>
+            <a:r>
+              <a:rPr lang="en-US" altLang="zh-CN" sz="1600" dirty="0" smtClean="0"/>
+              <a:t>CCB</a:t>
+            </a:r>
+            <a:r>
+              <a:rPr lang="zh-CN" altLang="en-US" sz="1600" dirty="0" smtClean="0"/>
+              <a:t>评估</a:t>
+            </a:r>
+            <a:endParaRPr lang="zh-CN" altLang="en-US" sz="1600" dirty="0"/>
+          </a:p>
+        </p:txBody>
+      </p:sp>
+      <p:sp>
+        <p:nvSpPr>
+          <p:cNvPr id="7" name="菱形 6"/>
+          <p:cNvSpPr/>
+          <p:nvPr/>
+        </p:nvSpPr>
+        <p:spPr>
+          <a:xfrm>
+            <a:off x="3803226" y="2762370"/>
+            <a:ext cx="1165087" cy="611606"/>
+          </a:xfrm>
+          <a:prstGeom prst="diamond">
+            <a:avLst/>
+          </a:prstGeom>
+        </p:spPr>
+        <p:style>
+          <a:lnRef idx="2">
+            <a:schemeClr val="accent1">
+              <a:shade val="50000"/>
+            </a:schemeClr>
+          </a:lnRef>
+          <a:fillRef idx="1">
+            <a:schemeClr val="accent1"/>
+          </a:fillRef>
+          <a:effectRef idx="0">
+            <a:schemeClr val="accent1"/>
+          </a:effectRef>
+          <a:fontRef idx="minor">
+            <a:schemeClr val="lt1"/>
+          </a:fontRef>
+        </p:style>
+        <p:txBody>
+          <a:bodyPr rtlCol="0" anchor="ctr"/>
+          <a:lstStyle/>
+          <a:p>
+            <a:pPr algn="ctr"/>
+            <a:r>
+              <a:rPr lang="zh-CN" altLang="en-US" sz="1400" dirty="0" smtClean="0"/>
+              <a:t>可实施？</a:t>
+            </a:r>
+            <a:endParaRPr lang="zh-CN" altLang="en-US" sz="1400" dirty="0"/>
+          </a:p>
+        </p:txBody>
+      </p:sp>
+      <p:sp>
+        <p:nvSpPr>
+          <p:cNvPr id="8" name="菱形 7"/>
+          <p:cNvSpPr/>
+          <p:nvPr/>
+        </p:nvSpPr>
+        <p:spPr>
+          <a:xfrm>
+            <a:off x="5832648" y="2691853"/>
+            <a:ext cx="1135825" cy="612704"/>
+          </a:xfrm>
+          <a:prstGeom prst="diamond">
+            <a:avLst/>
+          </a:prstGeom>
+        </p:spPr>
+        <p:style>
+          <a:lnRef idx="2">
+            <a:schemeClr val="accent1">
+              <a:shade val="50000"/>
+            </a:schemeClr>
+          </a:lnRef>
+          <a:fillRef idx="1">
+            <a:schemeClr val="accent1"/>
+          </a:fillRef>
+          <a:effectRef idx="0">
+            <a:schemeClr val="accent1"/>
+          </a:effectRef>
+          <a:fontRef idx="minor">
+            <a:schemeClr val="lt1"/>
+          </a:fontRef>
+        </p:style>
+        <p:txBody>
+          <a:bodyPr rtlCol="0" anchor="ctr"/>
+          <a:lstStyle/>
+          <a:p>
+            <a:pPr algn="ctr"/>
+            <a:r>
+              <a:rPr lang="zh-CN" altLang="en-US" sz="1400" dirty="0" smtClean="0"/>
+              <a:t>同意变更</a:t>
+            </a:r>
+            <a:r>
+              <a:rPr lang="en-US" altLang="zh-CN" sz="1400" dirty="0" smtClean="0"/>
+              <a:t>?</a:t>
+            </a:r>
+            <a:endParaRPr lang="zh-CN" altLang="en-US" sz="1400" dirty="0"/>
+          </a:p>
+        </p:txBody>
+      </p:sp>
+      <p:sp>
+        <p:nvSpPr>
+          <p:cNvPr id="9" name="TextBox 8"/>
+          <p:cNvSpPr txBox="1"/>
+          <p:nvPr/>
+        </p:nvSpPr>
+        <p:spPr>
+          <a:xfrm>
+            <a:off x="3677883" y="3867743"/>
+            <a:ext cx="1415772" cy="338554"/>
+          </a:xfrm>
+          <a:prstGeom prst="rect">
+            <a:avLst/>
+          </a:prstGeom>
+        </p:spPr>
+        <p:style>
+          <a:lnRef idx="1">
+            <a:schemeClr val="accent1"/>
+          </a:lnRef>
+          <a:fillRef idx="3">
+            <a:schemeClr val="accent1"/>
+          </a:fillRef>
+          <a:effectRef idx="2">
+            <a:schemeClr val="accent1"/>
+          </a:effectRef>
+          <a:fontRef idx="minor">
+            <a:schemeClr val="lt1"/>
+          </a:fontRef>
+        </p:style>
+        <p:txBody>
+          <a:bodyPr wrap="none" rtlCol="0">
+            <a:spAutoFit/>
+          </a:bodyPr>
+          <a:lstStyle/>
+          <a:p>
+            <a:r>
+              <a:rPr lang="zh-CN" altLang="en-US" sz="1600" dirty="0" smtClean="0"/>
+              <a:t>加入项目计划</a:t>
+            </a:r>
+            <a:endParaRPr lang="zh-CN" altLang="en-US" sz="1600" dirty="0"/>
+          </a:p>
+        </p:txBody>
+      </p:sp>
+      <p:sp>
+        <p:nvSpPr>
+          <p:cNvPr id="10" name="TextBox 9"/>
+          <p:cNvSpPr txBox="1"/>
+          <p:nvPr/>
+        </p:nvSpPr>
+        <p:spPr>
+          <a:xfrm>
+            <a:off x="3677883" y="4694085"/>
+            <a:ext cx="1415772" cy="338554"/>
+          </a:xfrm>
+          <a:prstGeom prst="rect">
+            <a:avLst/>
+          </a:prstGeom>
+        </p:spPr>
+        <p:style>
+          <a:lnRef idx="1">
+            <a:schemeClr val="accent1"/>
+          </a:lnRef>
+          <a:fillRef idx="3">
+            <a:schemeClr val="accent1"/>
+          </a:fillRef>
+          <a:effectRef idx="2">
+            <a:schemeClr val="accent1"/>
+          </a:effectRef>
+          <a:fontRef idx="minor">
+            <a:schemeClr val="lt1"/>
+          </a:fontRef>
+        </p:style>
+        <p:txBody>
+          <a:bodyPr wrap="none" rtlCol="0">
+            <a:spAutoFit/>
+          </a:bodyPr>
+          <a:lstStyle/>
+          <a:p>
+            <a:r>
+              <a:rPr lang="zh-CN" altLang="en-US" sz="1600" dirty="0"/>
+              <a:t>记录问题日志</a:t>
+            </a:r>
+            <a:endParaRPr lang="zh-CN" altLang="en-US" sz="1600" dirty="0"/>
+          </a:p>
+        </p:txBody>
+      </p:sp>
+      <p:sp>
+        <p:nvSpPr>
+          <p:cNvPr id="11" name="TextBox 10"/>
+          <p:cNvSpPr txBox="1"/>
+          <p:nvPr/>
+        </p:nvSpPr>
+        <p:spPr>
+          <a:xfrm>
+            <a:off x="5678978" y="5642000"/>
+            <a:ext cx="1210588" cy="338554"/>
+          </a:xfrm>
+          <a:prstGeom prst="rect">
+            <a:avLst/>
+          </a:prstGeom>
+        </p:spPr>
+        <p:style>
+          <a:lnRef idx="1">
+            <a:schemeClr val="accent1"/>
+          </a:lnRef>
+          <a:fillRef idx="3">
+            <a:schemeClr val="accent1"/>
+          </a:fillRef>
+          <a:effectRef idx="2">
+            <a:schemeClr val="accent1"/>
+          </a:effectRef>
+          <a:fontRef idx="minor">
+            <a:schemeClr val="lt1"/>
+          </a:fontRef>
+        </p:style>
+        <p:txBody>
+          <a:bodyPr wrap="none" rtlCol="0">
+            <a:spAutoFit/>
+          </a:bodyPr>
+          <a:lstStyle/>
+          <a:p>
+            <a:r>
+              <a:rPr lang="zh-CN" altLang="en-US" sz="1600" dirty="0" smtClean="0"/>
+              <a:t>发起人审核</a:t>
+            </a:r>
+            <a:endParaRPr lang="zh-CN" altLang="en-US" sz="1600" dirty="0"/>
+          </a:p>
+        </p:txBody>
+      </p:sp>
+      <p:cxnSp>
+        <p:nvCxnSpPr>
+          <p:cNvPr id="13" name="直接箭头连接符 12"/>
+          <p:cNvCxnSpPr>
+            <a:stCxn id="4" idx="3"/>
+            <a:endCxn id="348" idx="1"/>
+          </p:cNvCxnSpPr>
+          <p:nvPr/>
+        </p:nvCxnSpPr>
+        <p:spPr>
+          <a:xfrm>
+            <a:off x="1236785" y="984149"/>
+            <a:ext cx="317886" cy="0"/>
+          </a:xfrm>
+          <a:prstGeom prst="straightConnector1">
+            <a:avLst/>
+          </a:prstGeom>
+          <a:ln>
+            <a:tailEnd type="arrow"/>
+          </a:ln>
+        </p:spPr>
+        <p:style>
+          <a:lnRef idx="2">
+            <a:schemeClr val="accent6"/>
+          </a:lnRef>
+          <a:fillRef idx="0">
+            <a:schemeClr val="accent6"/>
+          </a:fillRef>
+          <a:effectRef idx="1">
+            <a:schemeClr val="accent6"/>
+          </a:effectRef>
+          <a:fontRef idx="minor">
+            <a:schemeClr val="tx1"/>
+          </a:fontRef>
+        </p:style>
+      </p:cxnSp>
+      <p:cxnSp>
+        <p:nvCxnSpPr>
+          <p:cNvPr id="18" name="肘形连接符 17"/>
+          <p:cNvCxnSpPr/>
+          <p:nvPr/>
+        </p:nvCxnSpPr>
+        <p:spPr>
+          <a:xfrm rot="5400000">
+            <a:off x="4121991" y="3603964"/>
+            <a:ext cx="527557" cy="1"/>
+          </a:xfrm>
+          <a:prstGeom prst="bentConnector3">
+            <a:avLst>
+              <a:gd name="adj1" fmla="val 50000"/>
+            </a:avLst>
+          </a:prstGeom>
+          <a:ln>
+            <a:tailEnd type="arrow"/>
+          </a:ln>
+        </p:spPr>
+        <p:style>
+          <a:lnRef idx="2">
+            <a:schemeClr val="accent6"/>
+          </a:lnRef>
+          <a:fillRef idx="0">
+            <a:schemeClr val="accent6"/>
+          </a:fillRef>
+          <a:effectRef idx="1">
+            <a:schemeClr val="accent6"/>
+          </a:effectRef>
+          <a:fontRef idx="minor">
+            <a:schemeClr val="tx1"/>
+          </a:fontRef>
+        </p:style>
+      </p:cxnSp>
+      <p:cxnSp>
+        <p:nvCxnSpPr>
+          <p:cNvPr id="20" name="肘形连接符 19"/>
+          <p:cNvCxnSpPr/>
+          <p:nvPr/>
+        </p:nvCxnSpPr>
+        <p:spPr>
+          <a:xfrm rot="5400000">
+            <a:off x="4136053" y="4456013"/>
+            <a:ext cx="499433" cy="12700"/>
+          </a:xfrm>
+          <a:prstGeom prst="bentConnector3">
+            <a:avLst/>
+          </a:prstGeom>
+          <a:ln>
+            <a:tailEnd type="arrow"/>
+          </a:ln>
+        </p:spPr>
+        <p:style>
+          <a:lnRef idx="2">
+            <a:schemeClr val="accent6"/>
+          </a:lnRef>
+          <a:fillRef idx="0">
+            <a:schemeClr val="accent6"/>
+          </a:fillRef>
+          <a:effectRef idx="1">
+            <a:schemeClr val="accent6"/>
+          </a:effectRef>
+          <a:fontRef idx="minor">
+            <a:schemeClr val="tx1"/>
+          </a:fontRef>
+        </p:style>
+      </p:cxnSp>
+      <p:cxnSp>
+        <p:nvCxnSpPr>
+          <p:cNvPr id="22" name="肘形连接符 21"/>
+          <p:cNvCxnSpPr>
+            <a:stCxn id="10" idx="2"/>
+            <a:endCxn id="38" idx="0"/>
+          </p:cNvCxnSpPr>
+          <p:nvPr/>
+        </p:nvCxnSpPr>
+        <p:spPr>
+          <a:xfrm rot="16200000" flipH="1">
+            <a:off x="4079300" y="5339107"/>
+            <a:ext cx="612939" cy="1"/>
+          </a:xfrm>
+          <a:prstGeom prst="bentConnector3">
+            <a:avLst>
+              <a:gd name="adj1" fmla="val 50000"/>
+            </a:avLst>
+          </a:prstGeom>
+          <a:ln>
+            <a:tailEnd type="arrow"/>
+          </a:ln>
+        </p:spPr>
+        <p:style>
+          <a:lnRef idx="2">
+            <a:schemeClr val="accent6"/>
+          </a:lnRef>
+          <a:fillRef idx="0">
+            <a:schemeClr val="accent6"/>
+          </a:fillRef>
+          <a:effectRef idx="1">
+            <a:schemeClr val="accent6"/>
+          </a:effectRef>
+          <a:fontRef idx="minor">
+            <a:schemeClr val="tx1"/>
+          </a:fontRef>
+        </p:style>
+      </p:cxnSp>
+      <p:sp>
+        <p:nvSpPr>
+          <p:cNvPr id="38" name="TextBox 37"/>
+          <p:cNvSpPr txBox="1"/>
+          <p:nvPr/>
+        </p:nvSpPr>
+        <p:spPr>
+          <a:xfrm>
+            <a:off x="3883068" y="5645578"/>
+            <a:ext cx="1005403" cy="338554"/>
+          </a:xfrm>
+          <a:prstGeom prst="rect">
+            <a:avLst/>
+          </a:prstGeom>
+        </p:spPr>
+        <p:style>
+          <a:lnRef idx="1">
+            <a:schemeClr val="accent1"/>
+          </a:lnRef>
+          <a:fillRef idx="3">
+            <a:schemeClr val="accent1"/>
+          </a:fillRef>
+          <a:effectRef idx="2">
+            <a:schemeClr val="accent1"/>
+          </a:effectRef>
+          <a:fontRef idx="minor">
+            <a:schemeClr val="lt1"/>
+          </a:fontRef>
+        </p:style>
+        <p:txBody>
+          <a:bodyPr wrap="none" rtlCol="0">
+            <a:spAutoFit/>
+          </a:bodyPr>
+          <a:lstStyle/>
+          <a:p>
+            <a:r>
+              <a:rPr lang="zh-CN" altLang="en-US" sz="1600" dirty="0" smtClean="0"/>
+              <a:t>团队实施</a:t>
+            </a:r>
+            <a:endParaRPr lang="zh-CN" altLang="en-US" sz="1600" dirty="0"/>
+          </a:p>
+        </p:txBody>
+      </p:sp>
+      <p:sp>
+        <p:nvSpPr>
+          <p:cNvPr id="65" name="菱形 64"/>
+          <p:cNvSpPr/>
+          <p:nvPr/>
+        </p:nvSpPr>
+        <p:spPr>
+          <a:xfrm>
+            <a:off x="3803226" y="1659821"/>
+            <a:ext cx="1165087" cy="611606"/>
+          </a:xfrm>
+          <a:prstGeom prst="diamond">
+            <a:avLst/>
+          </a:prstGeom>
+        </p:spPr>
+        <p:style>
+          <a:lnRef idx="2">
+            <a:schemeClr val="accent1">
+              <a:shade val="50000"/>
+            </a:schemeClr>
+          </a:lnRef>
+          <a:fillRef idx="1">
+            <a:schemeClr val="accent1"/>
+          </a:fillRef>
+          <a:effectRef idx="0">
+            <a:schemeClr val="accent1"/>
+          </a:effectRef>
+          <a:fontRef idx="minor">
+            <a:schemeClr val="lt1"/>
+          </a:fontRef>
+        </p:style>
+        <p:txBody>
+          <a:bodyPr rtlCol="0" anchor="ctr"/>
+          <a:lstStyle/>
+          <a:p>
+            <a:pPr algn="ctr"/>
+            <a:r>
+              <a:rPr lang="zh-CN" altLang="en-US" sz="1400" dirty="0" smtClean="0"/>
+              <a:t>重大变更？</a:t>
+            </a:r>
+            <a:endParaRPr lang="zh-CN" altLang="en-US" sz="1400" dirty="0"/>
+          </a:p>
+        </p:txBody>
+      </p:sp>
+      <p:cxnSp>
+        <p:nvCxnSpPr>
+          <p:cNvPr id="133" name="肘形连接符 132"/>
+          <p:cNvCxnSpPr>
+            <a:stCxn id="38" idx="3"/>
+            <a:endCxn id="11" idx="1"/>
+          </p:cNvCxnSpPr>
+          <p:nvPr/>
+        </p:nvCxnSpPr>
+        <p:spPr>
+          <a:xfrm flipV="1">
+            <a:off x="4888471" y="5811277"/>
+            <a:ext cx="790507" cy="3578"/>
+          </a:xfrm>
+          <a:prstGeom prst="bentConnector3">
+            <a:avLst/>
+          </a:prstGeom>
+          <a:ln>
+            <a:tailEnd type="arrow"/>
+          </a:ln>
+        </p:spPr>
+        <p:style>
+          <a:lnRef idx="2">
+            <a:schemeClr val="accent6"/>
+          </a:lnRef>
+          <a:fillRef idx="0">
+            <a:schemeClr val="accent6"/>
+          </a:fillRef>
+          <a:effectRef idx="1">
+            <a:schemeClr val="accent6"/>
+          </a:effectRef>
+          <a:fontRef idx="minor">
+            <a:schemeClr val="tx1"/>
+          </a:fontRef>
+        </p:style>
+      </p:cxnSp>
+      <p:sp>
+        <p:nvSpPr>
+          <p:cNvPr id="134" name="TextBox 133"/>
+          <p:cNvSpPr txBox="1"/>
+          <p:nvPr/>
+        </p:nvSpPr>
+        <p:spPr>
+          <a:xfrm>
+            <a:off x="7614952" y="5636652"/>
+            <a:ext cx="1415772" cy="338554"/>
+          </a:xfrm>
+          <a:prstGeom prst="rect">
+            <a:avLst/>
+          </a:prstGeom>
+        </p:spPr>
+        <p:style>
+          <a:lnRef idx="1">
+            <a:schemeClr val="accent1"/>
+          </a:lnRef>
+          <a:fillRef idx="3">
+            <a:schemeClr val="accent1"/>
+          </a:fillRef>
+          <a:effectRef idx="2">
+            <a:schemeClr val="accent1"/>
+          </a:effectRef>
+          <a:fontRef idx="minor">
+            <a:schemeClr val="lt1"/>
+          </a:fontRef>
+        </p:style>
+        <p:txBody>
+          <a:bodyPr wrap="none" rtlCol="0">
+            <a:spAutoFit/>
+          </a:bodyPr>
+          <a:lstStyle/>
+          <a:p>
+            <a:r>
+              <a:rPr lang="zh-CN" altLang="en-US" sz="1600" dirty="0" smtClean="0"/>
+              <a:t>更新问题日志</a:t>
+            </a:r>
+            <a:endParaRPr lang="zh-CN" altLang="en-US" sz="1600" dirty="0"/>
+          </a:p>
+        </p:txBody>
+      </p:sp>
+      <p:sp>
+        <p:nvSpPr>
+          <p:cNvPr id="135" name="椭圆 134"/>
+          <p:cNvSpPr/>
+          <p:nvPr/>
+        </p:nvSpPr>
+        <p:spPr>
+          <a:xfrm>
+            <a:off x="7932837" y="4227760"/>
+            <a:ext cx="779999" cy="336017"/>
+          </a:xfrm>
+          <a:prstGeom prst="ellipse">
+            <a:avLst/>
+          </a:prstGeom>
+        </p:spPr>
+        <p:style>
+          <a:lnRef idx="2">
+            <a:schemeClr val="accent1">
+              <a:shade val="50000"/>
+            </a:schemeClr>
+          </a:lnRef>
+          <a:fillRef idx="1">
+            <a:schemeClr val="accent1"/>
+          </a:fillRef>
+          <a:effectRef idx="0">
+            <a:schemeClr val="accent1"/>
+          </a:effectRef>
+          <a:fontRef idx="minor">
+            <a:schemeClr val="lt1"/>
+          </a:fontRef>
+        </p:style>
+        <p:txBody>
+          <a:bodyPr rtlCol="0" anchor="ctr"/>
+          <a:lstStyle/>
+          <a:p>
+            <a:pPr algn="ctr"/>
+            <a:r>
+              <a:rPr lang="zh-CN" altLang="en-US" sz="1400" dirty="0" smtClean="0"/>
+              <a:t>结束</a:t>
+            </a:r>
+            <a:endParaRPr lang="zh-CN" altLang="en-US" sz="1400" dirty="0"/>
+          </a:p>
+        </p:txBody>
+      </p:sp>
+      <p:sp>
+        <p:nvSpPr>
+          <p:cNvPr id="136" name="TextBox 135"/>
+          <p:cNvSpPr txBox="1"/>
+          <p:nvPr/>
+        </p:nvSpPr>
+        <p:spPr>
+          <a:xfrm>
+            <a:off x="7614949" y="2830640"/>
+            <a:ext cx="1415772" cy="338554"/>
+          </a:xfrm>
+          <a:prstGeom prst="rect">
+            <a:avLst/>
+          </a:prstGeom>
+        </p:spPr>
+        <p:style>
+          <a:lnRef idx="1">
+            <a:schemeClr val="accent1"/>
+          </a:lnRef>
+          <a:fillRef idx="3">
+            <a:schemeClr val="accent1"/>
+          </a:fillRef>
+          <a:effectRef idx="2">
+            <a:schemeClr val="accent1"/>
+          </a:effectRef>
+          <a:fontRef idx="minor">
+            <a:schemeClr val="lt1"/>
+          </a:fontRef>
+        </p:style>
+        <p:txBody>
+          <a:bodyPr wrap="none" rtlCol="0">
+            <a:spAutoFit/>
+          </a:bodyPr>
+          <a:lstStyle/>
+          <a:p>
+            <a:r>
+              <a:rPr lang="zh-CN" altLang="en-US" sz="1600" dirty="0"/>
+              <a:t>记录问题日志</a:t>
+            </a:r>
+            <a:endParaRPr lang="zh-CN" altLang="en-US" sz="1600" dirty="0"/>
+          </a:p>
+        </p:txBody>
+      </p:sp>
+      <p:cxnSp>
+        <p:nvCxnSpPr>
+          <p:cNvPr id="144" name="肘形连接符 143"/>
+          <p:cNvCxnSpPr>
+            <a:stCxn id="11" idx="3"/>
+            <a:endCxn id="134" idx="1"/>
+          </p:cNvCxnSpPr>
+          <p:nvPr/>
+        </p:nvCxnSpPr>
+        <p:spPr>
+          <a:xfrm flipV="1">
+            <a:off x="6889566" y="5805929"/>
+            <a:ext cx="725386" cy="5348"/>
+          </a:xfrm>
+          <a:prstGeom prst="bentConnector3">
+            <a:avLst/>
+          </a:prstGeom>
+          <a:ln>
+            <a:tailEnd type="arrow"/>
+          </a:ln>
+        </p:spPr>
+        <p:style>
+          <a:lnRef idx="2">
+            <a:schemeClr val="accent6"/>
+          </a:lnRef>
+          <a:fillRef idx="0">
+            <a:schemeClr val="accent6"/>
+          </a:fillRef>
+          <a:effectRef idx="1">
+            <a:schemeClr val="accent6"/>
+          </a:effectRef>
+          <a:fontRef idx="minor">
+            <a:schemeClr val="tx1"/>
+          </a:fontRef>
+        </p:style>
+      </p:cxnSp>
+      <p:cxnSp>
+        <p:nvCxnSpPr>
+          <p:cNvPr id="189" name="肘形连接符 188"/>
+          <p:cNvCxnSpPr>
+            <a:endCxn id="7" idx="0"/>
+          </p:cNvCxnSpPr>
+          <p:nvPr/>
+        </p:nvCxnSpPr>
+        <p:spPr>
+          <a:xfrm rot="5400000">
+            <a:off x="4163543" y="2533793"/>
+            <a:ext cx="450804" cy="6350"/>
+          </a:xfrm>
+          <a:prstGeom prst="bentConnector3">
+            <a:avLst>
+              <a:gd name="adj1" fmla="val 50000"/>
+            </a:avLst>
+          </a:prstGeom>
+          <a:ln>
+            <a:tailEnd type="arrow"/>
+          </a:ln>
+        </p:spPr>
+        <p:style>
+          <a:lnRef idx="2">
+            <a:schemeClr val="accent6"/>
+          </a:lnRef>
+          <a:fillRef idx="0">
+            <a:schemeClr val="accent6"/>
+          </a:fillRef>
+          <a:effectRef idx="1">
+            <a:schemeClr val="accent6"/>
+          </a:effectRef>
+          <a:fontRef idx="minor">
+            <a:schemeClr val="tx1"/>
+          </a:fontRef>
+        </p:style>
+      </p:cxnSp>
+      <p:cxnSp>
+        <p:nvCxnSpPr>
+          <p:cNvPr id="276" name="肘形连接符 275"/>
+          <p:cNvCxnSpPr>
+            <a:stCxn id="5" idx="2"/>
+            <a:endCxn id="65" idx="0"/>
+          </p:cNvCxnSpPr>
+          <p:nvPr/>
+        </p:nvCxnSpPr>
+        <p:spPr>
+          <a:xfrm rot="16200000" flipH="1">
+            <a:off x="4131716" y="1405766"/>
+            <a:ext cx="508107" cy="1"/>
+          </a:xfrm>
+          <a:prstGeom prst="bentConnector3">
+            <a:avLst/>
+          </a:prstGeom>
+          <a:ln>
+            <a:tailEnd type="arrow"/>
+          </a:ln>
+        </p:spPr>
+        <p:style>
+          <a:lnRef idx="2">
+            <a:schemeClr val="accent6"/>
+          </a:lnRef>
+          <a:fillRef idx="0">
+            <a:schemeClr val="accent6"/>
+          </a:fillRef>
+          <a:effectRef idx="1">
+            <a:schemeClr val="accent6"/>
+          </a:effectRef>
+          <a:fontRef idx="minor">
+            <a:schemeClr val="tx1"/>
+          </a:fontRef>
+        </p:style>
+      </p:cxnSp>
+      <p:cxnSp>
+        <p:nvCxnSpPr>
+          <p:cNvPr id="280" name="肘形连接符 279"/>
+          <p:cNvCxnSpPr>
+            <a:stCxn id="65" idx="3"/>
+            <a:endCxn id="6" idx="1"/>
+          </p:cNvCxnSpPr>
+          <p:nvPr/>
+        </p:nvCxnSpPr>
+        <p:spPr>
+          <a:xfrm>
+            <a:off x="4968313" y="1965624"/>
+            <a:ext cx="969622" cy="12700"/>
+          </a:xfrm>
+          <a:prstGeom prst="bentConnector3">
+            <a:avLst/>
+          </a:prstGeom>
+          <a:ln>
+            <a:tailEnd type="arrow"/>
+          </a:ln>
+        </p:spPr>
+        <p:style>
+          <a:lnRef idx="2">
+            <a:schemeClr val="accent6"/>
+          </a:lnRef>
+          <a:fillRef idx="0">
+            <a:schemeClr val="accent6"/>
+          </a:fillRef>
+          <a:effectRef idx="1">
+            <a:schemeClr val="accent6"/>
+          </a:effectRef>
+          <a:fontRef idx="minor">
+            <a:schemeClr val="tx1"/>
+          </a:fontRef>
+        </p:style>
+      </p:cxnSp>
+      <p:cxnSp>
+        <p:nvCxnSpPr>
+          <p:cNvPr id="282" name="肘形连接符 281"/>
+          <p:cNvCxnSpPr>
+            <a:stCxn id="6" idx="2"/>
+            <a:endCxn id="8" idx="0"/>
+          </p:cNvCxnSpPr>
+          <p:nvPr/>
+        </p:nvCxnSpPr>
+        <p:spPr>
+          <a:xfrm rot="5400000">
+            <a:off x="6122086" y="2413377"/>
+            <a:ext cx="556952" cy="1"/>
+          </a:xfrm>
+          <a:prstGeom prst="bentConnector3">
+            <a:avLst/>
+          </a:prstGeom>
+          <a:ln>
+            <a:tailEnd type="arrow"/>
+          </a:ln>
+        </p:spPr>
+        <p:style>
+          <a:lnRef idx="2">
+            <a:schemeClr val="accent6"/>
+          </a:lnRef>
+          <a:fillRef idx="0">
+            <a:schemeClr val="accent6"/>
+          </a:fillRef>
+          <a:effectRef idx="1">
+            <a:schemeClr val="accent6"/>
+          </a:effectRef>
+          <a:fontRef idx="minor">
+            <a:schemeClr val="tx1"/>
+          </a:fontRef>
+        </p:style>
+      </p:cxnSp>
+      <p:cxnSp>
+        <p:nvCxnSpPr>
+          <p:cNvPr id="284" name="肘形连接符 283"/>
+          <p:cNvCxnSpPr>
+            <a:stCxn id="8" idx="2"/>
+            <a:endCxn id="9" idx="3"/>
+          </p:cNvCxnSpPr>
+          <p:nvPr/>
+        </p:nvCxnSpPr>
+        <p:spPr>
+          <a:xfrm rot="5400000">
+            <a:off x="5380877" y="3017335"/>
+            <a:ext cx="732463" cy="1306906"/>
+          </a:xfrm>
+          <a:prstGeom prst="bentConnector2">
+            <a:avLst/>
+          </a:prstGeom>
+          <a:ln>
+            <a:tailEnd type="arrow"/>
+          </a:ln>
+        </p:spPr>
+        <p:style>
+          <a:lnRef idx="2">
+            <a:schemeClr val="accent6"/>
+          </a:lnRef>
+          <a:fillRef idx="0">
+            <a:schemeClr val="accent6"/>
+          </a:fillRef>
+          <a:effectRef idx="1">
+            <a:schemeClr val="accent6"/>
+          </a:effectRef>
+          <a:fontRef idx="minor">
+            <a:schemeClr val="tx1"/>
+          </a:fontRef>
+        </p:style>
+      </p:cxnSp>
+      <p:cxnSp>
+        <p:nvCxnSpPr>
+          <p:cNvPr id="286" name="肘形连接符 285"/>
+          <p:cNvCxnSpPr>
+            <a:stCxn id="8" idx="3"/>
+            <a:endCxn id="136" idx="1"/>
+          </p:cNvCxnSpPr>
+          <p:nvPr/>
+        </p:nvCxnSpPr>
+        <p:spPr>
+          <a:xfrm>
+            <a:off x="6968473" y="2998205"/>
+            <a:ext cx="646476" cy="1712"/>
+          </a:xfrm>
+          <a:prstGeom prst="bentConnector3">
+            <a:avLst/>
+          </a:prstGeom>
+          <a:ln>
+            <a:tailEnd type="arrow"/>
+          </a:ln>
+        </p:spPr>
+        <p:style>
+          <a:lnRef idx="2">
+            <a:schemeClr val="accent6"/>
+          </a:lnRef>
+          <a:fillRef idx="0">
+            <a:schemeClr val="accent6"/>
+          </a:fillRef>
+          <a:effectRef idx="1">
+            <a:schemeClr val="accent6"/>
+          </a:effectRef>
+          <a:fontRef idx="minor">
+            <a:schemeClr val="tx1"/>
+          </a:fontRef>
+        </p:style>
+      </p:cxnSp>
+      <p:cxnSp>
+        <p:nvCxnSpPr>
+          <p:cNvPr id="288" name="肘形连接符 287"/>
+          <p:cNvCxnSpPr>
+            <a:stCxn id="136" idx="2"/>
+            <a:endCxn id="135" idx="0"/>
+          </p:cNvCxnSpPr>
+          <p:nvPr/>
+        </p:nvCxnSpPr>
+        <p:spPr>
+          <a:xfrm rot="16200000" flipH="1">
+            <a:off x="7793553" y="3698476"/>
+            <a:ext cx="1058566" cy="2"/>
+          </a:xfrm>
+          <a:prstGeom prst="bentConnector3">
+            <a:avLst/>
+          </a:prstGeom>
+          <a:ln>
+            <a:tailEnd type="arrow"/>
+          </a:ln>
+        </p:spPr>
+        <p:style>
+          <a:lnRef idx="2">
+            <a:schemeClr val="accent6"/>
+          </a:lnRef>
+          <a:fillRef idx="0">
+            <a:schemeClr val="accent6"/>
+          </a:fillRef>
+          <a:effectRef idx="1">
+            <a:schemeClr val="accent6"/>
+          </a:effectRef>
+          <a:fontRef idx="minor">
+            <a:schemeClr val="tx1"/>
+          </a:fontRef>
+        </p:style>
+      </p:cxnSp>
+      <p:cxnSp>
+        <p:nvCxnSpPr>
+          <p:cNvPr id="290" name="肘形连接符 289"/>
+          <p:cNvCxnSpPr>
+            <a:stCxn id="134" idx="0"/>
+            <a:endCxn id="135" idx="4"/>
+          </p:cNvCxnSpPr>
+          <p:nvPr/>
+        </p:nvCxnSpPr>
+        <p:spPr>
+          <a:xfrm rot="16200000" flipV="1">
+            <a:off x="7786401" y="5100214"/>
+            <a:ext cx="1072875" cy="1"/>
+          </a:xfrm>
+          <a:prstGeom prst="bentConnector3">
+            <a:avLst/>
+          </a:prstGeom>
+          <a:ln>
+            <a:tailEnd type="arrow"/>
+          </a:ln>
+        </p:spPr>
+        <p:style>
+          <a:lnRef idx="2">
+            <a:schemeClr val="accent6"/>
+          </a:lnRef>
+          <a:fillRef idx="0">
+            <a:schemeClr val="accent6"/>
+          </a:fillRef>
+          <a:effectRef idx="1">
+            <a:schemeClr val="accent6"/>
+          </a:effectRef>
+          <a:fontRef idx="minor">
+            <a:schemeClr val="tx1"/>
+          </a:fontRef>
+        </p:style>
+      </p:cxnSp>
+      <p:sp>
+        <p:nvSpPr>
+          <p:cNvPr id="291" name="椭圆 290"/>
+          <p:cNvSpPr/>
+          <p:nvPr/>
+        </p:nvSpPr>
+        <p:spPr>
+          <a:xfrm>
+            <a:off x="1806032" y="4262226"/>
+            <a:ext cx="779999" cy="336017"/>
+          </a:xfrm>
+          <a:prstGeom prst="ellipse">
+            <a:avLst/>
+          </a:prstGeom>
+        </p:spPr>
+        <p:style>
+          <a:lnRef idx="2">
+            <a:schemeClr val="accent1">
+              <a:shade val="50000"/>
+            </a:schemeClr>
+          </a:lnRef>
+          <a:fillRef idx="1">
+            <a:schemeClr val="accent1"/>
+          </a:fillRef>
+          <a:effectRef idx="0">
+            <a:schemeClr val="accent1"/>
+          </a:effectRef>
+          <a:fontRef idx="minor">
+            <a:schemeClr val="lt1"/>
+          </a:fontRef>
+        </p:style>
+        <p:txBody>
+          <a:bodyPr rtlCol="0" anchor="ctr"/>
+          <a:lstStyle/>
+          <a:p>
+            <a:pPr algn="ctr"/>
+            <a:r>
+              <a:rPr lang="zh-CN" altLang="en-US" sz="1400" dirty="0" smtClean="0"/>
+              <a:t>结束</a:t>
+            </a:r>
+            <a:endParaRPr lang="zh-CN" altLang="en-US" sz="1400" dirty="0"/>
+          </a:p>
+        </p:txBody>
+      </p:sp>
+      <p:sp>
+        <p:nvSpPr>
+          <p:cNvPr id="292" name="TextBox 291"/>
+          <p:cNvSpPr txBox="1"/>
+          <p:nvPr/>
+        </p:nvSpPr>
+        <p:spPr>
+          <a:xfrm>
+            <a:off x="1488145" y="2898898"/>
+            <a:ext cx="1415772" cy="338554"/>
+          </a:xfrm>
+          <a:prstGeom prst="rect">
+            <a:avLst/>
+          </a:prstGeom>
+        </p:spPr>
+        <p:style>
+          <a:lnRef idx="1">
+            <a:schemeClr val="accent1"/>
+          </a:lnRef>
+          <a:fillRef idx="3">
+            <a:schemeClr val="accent1"/>
+          </a:fillRef>
+          <a:effectRef idx="2">
+            <a:schemeClr val="accent1"/>
+          </a:effectRef>
+          <a:fontRef idx="minor">
+            <a:schemeClr val="lt1"/>
+          </a:fontRef>
+        </p:style>
+        <p:txBody>
+          <a:bodyPr wrap="none" rtlCol="0">
+            <a:spAutoFit/>
+          </a:bodyPr>
+          <a:lstStyle/>
+          <a:p>
+            <a:r>
+              <a:rPr lang="zh-CN" altLang="en-US" sz="1600" dirty="0"/>
+              <a:t>记录问题日志</a:t>
+            </a:r>
+            <a:endParaRPr lang="zh-CN" altLang="en-US" sz="1600" dirty="0"/>
+          </a:p>
+        </p:txBody>
+      </p:sp>
+      <p:cxnSp>
+        <p:nvCxnSpPr>
+          <p:cNvPr id="293" name="肘形连接符 292"/>
+          <p:cNvCxnSpPr>
+            <a:stCxn id="292" idx="2"/>
+            <a:endCxn id="291" idx="0"/>
+          </p:cNvCxnSpPr>
+          <p:nvPr/>
+        </p:nvCxnSpPr>
+        <p:spPr>
+          <a:xfrm rot="16200000" flipH="1">
+            <a:off x="1683644" y="3749838"/>
+            <a:ext cx="1024774" cy="1"/>
+          </a:xfrm>
+          <a:prstGeom prst="bentConnector3">
+            <a:avLst/>
+          </a:prstGeom>
+          <a:ln>
+            <a:tailEnd type="arrow"/>
+          </a:ln>
+        </p:spPr>
+        <p:style>
+          <a:lnRef idx="2">
+            <a:schemeClr val="accent6"/>
+          </a:lnRef>
+          <a:fillRef idx="0">
+            <a:schemeClr val="accent6"/>
+          </a:fillRef>
+          <a:effectRef idx="1">
+            <a:schemeClr val="accent6"/>
+          </a:effectRef>
+          <a:fontRef idx="minor">
+            <a:schemeClr val="tx1"/>
+          </a:fontRef>
+        </p:style>
+      </p:cxnSp>
+      <p:cxnSp>
+        <p:nvCxnSpPr>
+          <p:cNvPr id="295" name="肘形连接符 294"/>
+          <p:cNvCxnSpPr>
+            <a:stCxn id="7" idx="1"/>
+            <a:endCxn id="292" idx="3"/>
+          </p:cNvCxnSpPr>
+          <p:nvPr/>
+        </p:nvCxnSpPr>
+        <p:spPr>
+          <a:xfrm rot="10800000" flipV="1">
+            <a:off x="2903918" y="3068173"/>
+            <a:ext cx="899309" cy="2"/>
+          </a:xfrm>
+          <a:prstGeom prst="bentConnector3">
+            <a:avLst/>
+          </a:prstGeom>
+          <a:ln>
+            <a:tailEnd type="arrow"/>
+          </a:ln>
+        </p:spPr>
+        <p:style>
+          <a:lnRef idx="2">
+            <a:schemeClr val="accent6"/>
+          </a:lnRef>
+          <a:fillRef idx="0">
+            <a:schemeClr val="accent6"/>
+          </a:fillRef>
+          <a:effectRef idx="1">
+            <a:schemeClr val="accent6"/>
+          </a:effectRef>
+          <a:fontRef idx="minor">
+            <a:schemeClr val="tx1"/>
+          </a:fontRef>
+        </p:style>
+      </p:cxnSp>
+      <p:sp>
+        <p:nvSpPr>
+          <p:cNvPr id="305" name="TextBox 304"/>
+          <p:cNvSpPr txBox="1"/>
+          <p:nvPr/>
+        </p:nvSpPr>
+        <p:spPr>
+          <a:xfrm>
+            <a:off x="3469481" y="2690807"/>
+            <a:ext cx="333746" cy="369332"/>
+          </a:xfrm>
+          <a:prstGeom prst="rect">
+            <a:avLst/>
+          </a:prstGeom>
+          <a:noFill/>
+        </p:spPr>
+        <p:txBody>
+          <a:bodyPr wrap="none" rtlCol="0">
+            <a:spAutoFit/>
+          </a:bodyPr>
+          <a:lstStyle/>
+          <a:p>
+            <a:r>
+              <a:rPr lang="en-US" altLang="zh-CN" dirty="0" smtClean="0"/>
+              <a:t>N</a:t>
+            </a:r>
+            <a:endParaRPr lang="zh-CN" altLang="en-US" dirty="0"/>
+          </a:p>
+        </p:txBody>
+      </p:sp>
+      <p:sp>
+        <p:nvSpPr>
+          <p:cNvPr id="306" name="TextBox 305"/>
+          <p:cNvSpPr txBox="1"/>
+          <p:nvPr/>
+        </p:nvSpPr>
+        <p:spPr>
+          <a:xfrm>
+            <a:off x="5293141" y="1596292"/>
+            <a:ext cx="296876" cy="369332"/>
+          </a:xfrm>
+          <a:prstGeom prst="rect">
+            <a:avLst/>
+          </a:prstGeom>
+          <a:noFill/>
+        </p:spPr>
+        <p:txBody>
+          <a:bodyPr wrap="none" rtlCol="0">
+            <a:spAutoFit/>
+          </a:bodyPr>
+          <a:lstStyle/>
+          <a:p>
+            <a:r>
+              <a:rPr lang="en-US" altLang="zh-CN" dirty="0" smtClean="0"/>
+              <a:t>Y</a:t>
+            </a:r>
+            <a:endParaRPr lang="zh-CN" altLang="en-US" dirty="0"/>
+          </a:p>
+        </p:txBody>
+      </p:sp>
+      <p:sp>
+        <p:nvSpPr>
+          <p:cNvPr id="307" name="TextBox 306"/>
+          <p:cNvSpPr txBox="1"/>
+          <p:nvPr/>
+        </p:nvSpPr>
+        <p:spPr>
+          <a:xfrm>
+            <a:off x="6441850" y="3518448"/>
+            <a:ext cx="296876" cy="369332"/>
+          </a:xfrm>
+          <a:prstGeom prst="rect">
+            <a:avLst/>
+          </a:prstGeom>
+          <a:noFill/>
+        </p:spPr>
+        <p:txBody>
+          <a:bodyPr wrap="none" rtlCol="0">
+            <a:spAutoFit/>
+          </a:bodyPr>
+          <a:lstStyle/>
+          <a:p>
+            <a:r>
+              <a:rPr lang="en-US" altLang="zh-CN" dirty="0" smtClean="0"/>
+              <a:t>Y</a:t>
+            </a:r>
+            <a:endParaRPr lang="zh-CN" altLang="en-US" dirty="0"/>
+          </a:p>
+        </p:txBody>
+      </p:sp>
+      <p:sp>
+        <p:nvSpPr>
+          <p:cNvPr id="308" name="TextBox 307"/>
+          <p:cNvSpPr txBox="1"/>
+          <p:nvPr/>
+        </p:nvSpPr>
+        <p:spPr>
+          <a:xfrm>
+            <a:off x="7081210" y="2614488"/>
+            <a:ext cx="333746" cy="369332"/>
+          </a:xfrm>
+          <a:prstGeom prst="rect">
+            <a:avLst/>
+          </a:prstGeom>
+          <a:noFill/>
+        </p:spPr>
+        <p:txBody>
+          <a:bodyPr wrap="none" rtlCol="0">
+            <a:spAutoFit/>
+          </a:bodyPr>
+          <a:lstStyle/>
+          <a:p>
+            <a:r>
+              <a:rPr lang="en-US" altLang="zh-CN" dirty="0" smtClean="0"/>
+              <a:t>N</a:t>
+            </a:r>
+            <a:endParaRPr lang="zh-CN" altLang="en-US" dirty="0"/>
+          </a:p>
+        </p:txBody>
+      </p:sp>
+      <p:sp>
+        <p:nvSpPr>
+          <p:cNvPr id="309" name="TextBox 308"/>
+          <p:cNvSpPr txBox="1"/>
+          <p:nvPr/>
+        </p:nvSpPr>
+        <p:spPr>
+          <a:xfrm>
+            <a:off x="4392120" y="2352302"/>
+            <a:ext cx="333746" cy="369332"/>
+          </a:xfrm>
+          <a:prstGeom prst="rect">
+            <a:avLst/>
+          </a:prstGeom>
+          <a:noFill/>
+        </p:spPr>
+        <p:txBody>
+          <a:bodyPr wrap="none" rtlCol="0">
+            <a:spAutoFit/>
+          </a:bodyPr>
+          <a:lstStyle/>
+          <a:p>
+            <a:r>
+              <a:rPr lang="en-US" altLang="zh-CN" dirty="0" smtClean="0"/>
+              <a:t>N</a:t>
+            </a:r>
+            <a:endParaRPr lang="zh-CN" altLang="en-US" dirty="0"/>
+          </a:p>
+        </p:txBody>
+      </p:sp>
+      <p:sp>
+        <p:nvSpPr>
+          <p:cNvPr id="310" name="TextBox 309"/>
+          <p:cNvSpPr txBox="1"/>
+          <p:nvPr/>
+        </p:nvSpPr>
+        <p:spPr>
+          <a:xfrm>
+            <a:off x="4407221" y="3419298"/>
+            <a:ext cx="296876" cy="369332"/>
+          </a:xfrm>
+          <a:prstGeom prst="rect">
+            <a:avLst/>
+          </a:prstGeom>
+          <a:noFill/>
+        </p:spPr>
+        <p:txBody>
+          <a:bodyPr wrap="none" rtlCol="0">
+            <a:spAutoFit/>
+          </a:bodyPr>
+          <a:lstStyle/>
+          <a:p>
+            <a:r>
+              <a:rPr lang="en-US" altLang="zh-CN" dirty="0" smtClean="0"/>
+              <a:t>Y</a:t>
+            </a:r>
+            <a:endParaRPr lang="zh-CN" altLang="en-US" dirty="0"/>
+          </a:p>
+        </p:txBody>
+      </p:sp>
+      <p:cxnSp>
+        <p:nvCxnSpPr>
+          <p:cNvPr id="347" name="肘形连接符 346"/>
+          <p:cNvCxnSpPr>
+            <a:stCxn id="348" idx="3"/>
+            <a:endCxn id="5" idx="1"/>
+          </p:cNvCxnSpPr>
+          <p:nvPr/>
+        </p:nvCxnSpPr>
+        <p:spPr>
+          <a:xfrm flipV="1">
+            <a:off x="3369235" y="982437"/>
+            <a:ext cx="308648" cy="1712"/>
+          </a:xfrm>
+          <a:prstGeom prst="bentConnector3">
+            <a:avLst/>
+          </a:prstGeom>
+          <a:ln>
+            <a:tailEnd type="arrow"/>
+          </a:ln>
+        </p:spPr>
+        <p:style>
+          <a:lnRef idx="2">
+            <a:schemeClr val="accent6"/>
+          </a:lnRef>
+          <a:fillRef idx="0">
+            <a:schemeClr val="accent6"/>
+          </a:fillRef>
+          <a:effectRef idx="1">
+            <a:schemeClr val="accent6"/>
+          </a:effectRef>
+          <a:fontRef idx="minor">
+            <a:schemeClr val="tx1"/>
+          </a:fontRef>
+        </p:style>
+      </p:cxnSp>
+      <p:sp>
+        <p:nvSpPr>
+          <p:cNvPr id="348" name="菱形 347"/>
+          <p:cNvSpPr/>
+          <p:nvPr/>
+        </p:nvSpPr>
+        <p:spPr>
+          <a:xfrm>
+            <a:off x="1554671" y="429857"/>
+            <a:ext cx="1814564" cy="1108584"/>
+          </a:xfrm>
+          <a:prstGeom prst="diamond">
+            <a:avLst/>
+          </a:prstGeom>
+        </p:spPr>
+        <p:style>
+          <a:lnRef idx="2">
+            <a:schemeClr val="accent1">
+              <a:shade val="50000"/>
+            </a:schemeClr>
+          </a:lnRef>
+          <a:fillRef idx="1">
+            <a:schemeClr val="accent1"/>
+          </a:fillRef>
+          <a:effectRef idx="0">
+            <a:schemeClr val="accent1"/>
+          </a:effectRef>
+          <a:fontRef idx="minor">
+            <a:schemeClr val="lt1"/>
+          </a:fontRef>
+        </p:style>
+        <p:txBody>
+          <a:bodyPr rtlCol="0" anchor="ctr"/>
+          <a:lstStyle/>
+          <a:p>
+            <a:pPr algn="ctr"/>
+            <a:r>
+              <a:rPr lang="zh-CN" altLang="en-US" sz="1400" dirty="0" smtClean="0"/>
+              <a:t>项目经理与发起人确认</a:t>
+            </a:r>
+            <a:endParaRPr lang="zh-CN" altLang="en-US" sz="1400" dirty="0"/>
+          </a:p>
+        </p:txBody>
+      </p:sp>
+      <p:cxnSp>
+        <p:nvCxnSpPr>
+          <p:cNvPr id="363" name="肘形连接符 362"/>
+          <p:cNvCxnSpPr>
+            <a:stCxn id="348" idx="2"/>
+          </p:cNvCxnSpPr>
+          <p:nvPr/>
+        </p:nvCxnSpPr>
+        <p:spPr>
+          <a:xfrm rot="5400000">
+            <a:off x="1593271" y="2141203"/>
+            <a:ext cx="1471445" cy="265921"/>
+          </a:xfrm>
+          <a:prstGeom prst="bentConnector3">
+            <a:avLst/>
+          </a:prstGeom>
+          <a:ln>
+            <a:tailEnd type="arrow"/>
+          </a:ln>
+        </p:spPr>
+        <p:style>
+          <a:lnRef idx="2">
+            <a:schemeClr val="accent6"/>
+          </a:lnRef>
+          <a:fillRef idx="0">
+            <a:schemeClr val="accent6"/>
+          </a:fillRef>
+          <a:effectRef idx="1">
+            <a:schemeClr val="accent6"/>
+          </a:effectRef>
+          <a:fontRef idx="minor">
+            <a:schemeClr val="tx1"/>
+          </a:fontRef>
+        </p:style>
+      </p:cxnSp>
+      <p:sp>
+        <p:nvSpPr>
+          <p:cNvPr id="364" name="TextBox 363"/>
+          <p:cNvSpPr txBox="1"/>
+          <p:nvPr/>
+        </p:nvSpPr>
+        <p:spPr>
+          <a:xfrm>
+            <a:off x="3197611" y="659271"/>
+            <a:ext cx="543739" cy="307777"/>
+          </a:xfrm>
+          <a:prstGeom prst="rect">
+            <a:avLst/>
+          </a:prstGeom>
+          <a:noFill/>
+        </p:spPr>
+        <p:txBody>
+          <a:bodyPr wrap="none" rtlCol="0">
+            <a:spAutoFit/>
+          </a:bodyPr>
+          <a:lstStyle/>
+          <a:p>
+            <a:r>
+              <a:rPr lang="zh-CN" altLang="en-US" sz="1400" dirty="0" smtClean="0"/>
+              <a:t>通过</a:t>
+            </a:r>
+            <a:endParaRPr lang="zh-CN" altLang="en-US" sz="1400" dirty="0"/>
+          </a:p>
+        </p:txBody>
+      </p:sp>
+      <p:sp>
+        <p:nvSpPr>
+          <p:cNvPr id="365" name="TextBox 364"/>
+          <p:cNvSpPr txBox="1"/>
+          <p:nvPr/>
+        </p:nvSpPr>
+        <p:spPr>
+          <a:xfrm>
+            <a:off x="2461954" y="1780958"/>
+            <a:ext cx="723275" cy="307777"/>
+          </a:xfrm>
+          <a:prstGeom prst="rect">
+            <a:avLst/>
+          </a:prstGeom>
+          <a:noFill/>
+        </p:spPr>
+        <p:txBody>
+          <a:bodyPr wrap="none" rtlCol="0">
+            <a:spAutoFit/>
+          </a:bodyPr>
+          <a:lstStyle/>
+          <a:p>
+            <a:r>
+              <a:rPr lang="zh-CN" altLang="en-US" sz="1400" dirty="0" smtClean="0"/>
+              <a:t>不通过</a:t>
+            </a:r>
+            <a:endParaRPr lang="zh-CN" altLang="en-US" sz="1400" dirty="0"/>
+          </a:p>
+        </p:txBody>
+      </p:sp>
+    </p:spTree>
+    <p:extLst>
+      <p:ext uri="{BB962C8B-B14F-4D97-AF65-F5344CB8AC3E}">
+        <p14:creationId xmlns:p14="http://schemas.microsoft.com/office/powerpoint/2010/main" val="2767260235"/>
       </p:ext>
     </p:extLst>
   </p:cSld>
